--- a/serverless/serverlessLt.pptx
+++ b/serverless/serverlessLt.pptx
@@ -6,7 +6,7 @@
     <p:sldMasterId id="2147483772" r:id="rId2"/>
   </p:sldMasterIdLst>
   <p:notesMasterIdLst>
-    <p:notesMasterId r:id="rId15"/>
+    <p:notesMasterId r:id="rId16"/>
   </p:notesMasterIdLst>
   <p:sldIdLst>
     <p:sldId id="256" r:id="rId3"/>
@@ -21,6 +21,7 @@
     <p:sldId id="267" r:id="rId12"/>
     <p:sldId id="270" r:id="rId13"/>
     <p:sldId id="271" r:id="rId14"/>
+    <p:sldId id="272" r:id="rId15"/>
   </p:sldIdLst>
   <p:sldSz cx="12192000" cy="6858000"/>
   <p:notesSz cx="6858000" cy="9144000"/>
@@ -209,7 +210,7 @@
           <a:p>
             <a:fld id="{6D3E3564-4741-4E43-8D97-552F281F5A30}" type="datetimeFigureOut">
               <a:rPr kumimoji="1" lang="ja-JP" altLang="en-US" smtClean="0"/>
-              <a:t>2025/3/16</a:t>
+              <a:t>2025/3/19</a:t>
             </a:fld>
             <a:endParaRPr kumimoji="1" lang="ja-JP" altLang="en-US"/>
           </a:p>
@@ -1123,6 +1124,114 @@
 </p:notes>
 </file>
 
+<file path=ppt/notesSlides/notesSlide13.xml><?xml version="1.0" encoding="utf-8"?>
+<p:notes xmlns:a="http://schemas.openxmlformats.org/drawingml/2006/main" xmlns:r="http://schemas.openxmlformats.org/officeDocument/2006/relationships" xmlns:p="http://schemas.openxmlformats.org/presentationml/2006/main">
+  <p:cSld>
+    <p:spTree>
+      <p:nvGrpSpPr>
+        <p:cNvPr id="1" name="">
+          <a:extLst>
+            <a:ext uri="{FF2B5EF4-FFF2-40B4-BE49-F238E27FC236}">
+              <a16:creationId xmlns:a16="http://schemas.microsoft.com/office/drawing/2014/main" id="{BDEDF843-EE69-68F4-0571-A3407585C98F}"/>
+            </a:ext>
+          </a:extLst>
+        </p:cNvPr>
+        <p:cNvGrpSpPr/>
+        <p:nvPr/>
+      </p:nvGrpSpPr>
+      <p:grpSpPr>
+        <a:xfrm>
+          <a:off x="0" y="0"/>
+          <a:ext cx="0" cy="0"/>
+          <a:chOff x="0" y="0"/>
+          <a:chExt cx="0" cy="0"/>
+        </a:xfrm>
+      </p:grpSpPr>
+      <p:sp>
+        <p:nvSpPr>
+          <p:cNvPr id="2" name="スライド イメージ プレースホルダー 1">
+            <a:extLst>
+              <a:ext uri="{FF2B5EF4-FFF2-40B4-BE49-F238E27FC236}">
+                <a16:creationId xmlns:a16="http://schemas.microsoft.com/office/drawing/2014/main" id="{16F3F2F9-4D2C-1158-ED57-0837838160A4}"/>
+              </a:ext>
+            </a:extLst>
+          </p:cNvPr>
+          <p:cNvSpPr>
+            <a:spLocks noGrp="1" noRot="1" noChangeAspect="1"/>
+          </p:cNvSpPr>
+          <p:nvPr>
+            <p:ph type="sldImg"/>
+          </p:nvPr>
+        </p:nvSpPr>
+        <p:spPr/>
+      </p:sp>
+      <p:sp>
+        <p:nvSpPr>
+          <p:cNvPr id="3" name="ノート プレースホルダー 2">
+            <a:extLst>
+              <a:ext uri="{FF2B5EF4-FFF2-40B4-BE49-F238E27FC236}">
+                <a16:creationId xmlns:a16="http://schemas.microsoft.com/office/drawing/2014/main" id="{5CE9634C-DBB0-6C57-A2A1-F89977E8B2D7}"/>
+              </a:ext>
+            </a:extLst>
+          </p:cNvPr>
+          <p:cNvSpPr>
+            <a:spLocks noGrp="1"/>
+          </p:cNvSpPr>
+          <p:nvPr>
+            <p:ph type="body" idx="1"/>
+          </p:nvPr>
+        </p:nvSpPr>
+        <p:spPr/>
+        <p:txBody>
+          <a:bodyPr/>
+          <a:lstStyle/>
+          <a:p>
+            <a:endParaRPr kumimoji="1" lang="ja-JP" altLang="en-US" dirty="0"/>
+          </a:p>
+        </p:txBody>
+      </p:sp>
+      <p:sp>
+        <p:nvSpPr>
+          <p:cNvPr id="4" name="スライド番号プレースホルダー 3">
+            <a:extLst>
+              <a:ext uri="{FF2B5EF4-FFF2-40B4-BE49-F238E27FC236}">
+                <a16:creationId xmlns:a16="http://schemas.microsoft.com/office/drawing/2014/main" id="{D1091CDD-5359-AF92-A597-5F81861A85C8}"/>
+              </a:ext>
+            </a:extLst>
+          </p:cNvPr>
+          <p:cNvSpPr>
+            <a:spLocks noGrp="1"/>
+          </p:cNvSpPr>
+          <p:nvPr>
+            <p:ph type="sldNum" sz="quarter" idx="5"/>
+          </p:nvPr>
+        </p:nvSpPr>
+        <p:spPr/>
+        <p:txBody>
+          <a:bodyPr/>
+          <a:lstStyle/>
+          <a:p>
+            <a:fld id="{28AC8CB6-292C-424E-9D03-9301574570E7}" type="slidenum">
+              <a:rPr kumimoji="1" lang="ja-JP" altLang="en-US" smtClean="0"/>
+              <a:t>13</a:t>
+            </a:fld>
+            <a:endParaRPr kumimoji="1" lang="ja-JP" altLang="en-US"/>
+          </a:p>
+        </p:txBody>
+      </p:sp>
+    </p:spTree>
+    <p:extLst>
+      <p:ext uri="{BB962C8B-B14F-4D97-AF65-F5344CB8AC3E}">
+        <p14:creationId xmlns:p14="http://schemas.microsoft.com/office/powerpoint/2010/main" val="189864644"/>
+      </p:ext>
+    </p:extLst>
+  </p:cSld>
+  <p:clrMapOvr>
+    <a:masterClrMapping/>
+  </p:clrMapOvr>
+</p:notes>
+</file>
+
 <file path=ppt/notesSlides/notesSlide2.xml><?xml version="1.0" encoding="utf-8"?>
 <p:notes xmlns:a="http://schemas.openxmlformats.org/drawingml/2006/main" xmlns:r="http://schemas.openxmlformats.org/officeDocument/2006/relationships" xmlns:p="http://schemas.openxmlformats.org/presentationml/2006/main">
   <p:cSld>
@@ -6696,7 +6805,7 @@
           <a:p>
             <a:fld id="{E77AD455-0480-45A1-BD9A-587CA9D079C7}" type="datetimeFigureOut">
               <a:rPr kumimoji="1" lang="ja-JP" altLang="en-US" smtClean="0"/>
-              <a:t>2025/3/16</a:t>
+              <a:t>2025/3/19</a:t>
             </a:fld>
             <a:endParaRPr kumimoji="1" lang="ja-JP" altLang="en-US"/>
           </a:p>
@@ -6971,7 +7080,7 @@
           <a:p>
             <a:fld id="{E77AD455-0480-45A1-BD9A-587CA9D079C7}" type="datetimeFigureOut">
               <a:rPr kumimoji="1" lang="ja-JP" altLang="en-US" smtClean="0"/>
-              <a:t>2025/3/16</a:t>
+              <a:t>2025/3/19</a:t>
             </a:fld>
             <a:endParaRPr kumimoji="1" lang="ja-JP" altLang="en-US"/>
           </a:p>
@@ -7128,7 +7237,7 @@
           <a:p>
             <a:fld id="{04931351-92F6-47B4-B6FA-08BBE8070DF3}" type="datetimeFigureOut">
               <a:rPr kumimoji="1" lang="ja-JP" altLang="en-US" smtClean="0"/>
-              <a:t>2025/3/16</a:t>
+              <a:t>2025/3/19</a:t>
             </a:fld>
             <a:endParaRPr kumimoji="1" lang="ja-JP" altLang="en-US"/>
           </a:p>
@@ -7374,7 +7483,7 @@
           <a:p>
             <a:fld id="{04931351-92F6-47B4-B6FA-08BBE8070DF3}" type="datetimeFigureOut">
               <a:rPr kumimoji="1" lang="ja-JP" altLang="en-US" smtClean="0"/>
-              <a:t>2025/3/16</a:t>
+              <a:t>2025/3/19</a:t>
             </a:fld>
             <a:endParaRPr kumimoji="1" lang="ja-JP" altLang="en-US"/>
           </a:p>
@@ -7894,7 +8003,7 @@
           <a:p>
             <a:fld id="{04931351-92F6-47B4-B6FA-08BBE8070DF3}" type="datetimeFigureOut">
               <a:rPr kumimoji="1" lang="ja-JP" altLang="en-US" smtClean="0"/>
-              <a:t>2025/3/16</a:t>
+              <a:t>2025/3/19</a:t>
             </a:fld>
             <a:endParaRPr kumimoji="1" lang="ja-JP" altLang="en-US"/>
           </a:p>
@@ -8552,7 +8661,7 @@
           <a:p>
             <a:fld id="{04931351-92F6-47B4-B6FA-08BBE8070DF3}" type="datetimeFigureOut">
               <a:rPr kumimoji="1" lang="ja-JP" altLang="en-US" smtClean="0"/>
-              <a:t>2025/3/16</a:t>
+              <a:t>2025/3/19</a:t>
             </a:fld>
             <a:endParaRPr kumimoji="1" lang="ja-JP" altLang="en-US"/>
           </a:p>
@@ -8669,7 +8778,7 @@
           <a:p>
             <a:fld id="{04931351-92F6-47B4-B6FA-08BBE8070DF3}" type="datetimeFigureOut">
               <a:rPr kumimoji="1" lang="ja-JP" altLang="en-US" smtClean="0"/>
-              <a:t>2025/3/16</a:t>
+              <a:t>2025/3/19</a:t>
             </a:fld>
             <a:endParaRPr kumimoji="1" lang="ja-JP" altLang="en-US"/>
           </a:p>
@@ -8764,7 +8873,7 @@
           <a:p>
             <a:fld id="{04931351-92F6-47B4-B6FA-08BBE8070DF3}" type="datetimeFigureOut">
               <a:rPr kumimoji="1" lang="ja-JP" altLang="en-US" smtClean="0"/>
-              <a:t>2025/3/16</a:t>
+              <a:t>2025/3/19</a:t>
             </a:fld>
             <a:endParaRPr kumimoji="1" lang="ja-JP" altLang="en-US"/>
           </a:p>
@@ -9071,7 +9180,7 @@
           <a:p>
             <a:fld id="{04931351-92F6-47B4-B6FA-08BBE8070DF3}" type="datetimeFigureOut">
               <a:rPr kumimoji="1" lang="ja-JP" altLang="en-US" smtClean="0"/>
-              <a:t>2025/3/16</a:t>
+              <a:t>2025/3/19</a:t>
             </a:fld>
             <a:endParaRPr kumimoji="1" lang="ja-JP" altLang="en-US"/>
           </a:p>
@@ -9326,7 +9435,7 @@
           <a:p>
             <a:fld id="{04931351-92F6-47B4-B6FA-08BBE8070DF3}" type="datetimeFigureOut">
               <a:rPr kumimoji="1" lang="ja-JP" altLang="en-US" smtClean="0"/>
-              <a:t>2025/3/16</a:t>
+              <a:t>2025/3/19</a:t>
             </a:fld>
             <a:endParaRPr kumimoji="1" lang="ja-JP" altLang="en-US"/>
           </a:p>
@@ -9526,7 +9635,7 @@
           <a:p>
             <a:fld id="{04931351-92F6-47B4-B6FA-08BBE8070DF3}" type="datetimeFigureOut">
               <a:rPr kumimoji="1" lang="ja-JP" altLang="en-US" smtClean="0"/>
-              <a:t>2025/3/16</a:t>
+              <a:t>2025/3/19</a:t>
             </a:fld>
             <a:endParaRPr kumimoji="1" lang="ja-JP" altLang="en-US"/>
           </a:p>
@@ -9736,7 +9845,7 @@
           <a:p>
             <a:fld id="{8696CC74-4C66-4BFE-AB90-A01E3C9BEF4D}" type="datetimeFigureOut">
               <a:rPr kumimoji="1" lang="ja-JP" altLang="en-US" smtClean="0"/>
-              <a:t>2025/3/16</a:t>
+              <a:t>2025/3/19</a:t>
             </a:fld>
             <a:endParaRPr kumimoji="1" lang="ja-JP" altLang="en-US"/>
           </a:p>
@@ -11776,7 +11885,7 @@
             <a:fld id="{04931351-92F6-47B4-B6FA-08BBE8070DF3}" type="datetimeFigureOut">
               <a:rPr lang="ja-JP" altLang="en-US" smtClean="0"/>
               <a:pPr/>
-              <a:t>2025/3/16</a:t>
+              <a:t>2025/3/19</a:t>
             </a:fld>
             <a:endParaRPr lang="ja-JP" altLang="en-US"/>
           </a:p>
@@ -12821,6 +12930,174 @@
 </p:sld>
 </file>
 
+<file path=ppt/slides/slide13.xml><?xml version="1.0" encoding="utf-8"?>
+<p:sld xmlns:a="http://schemas.openxmlformats.org/drawingml/2006/main" xmlns:r="http://schemas.openxmlformats.org/officeDocument/2006/relationships" xmlns:p="http://schemas.openxmlformats.org/presentationml/2006/main">
+  <p:cSld>
+    <p:spTree>
+      <p:nvGrpSpPr>
+        <p:cNvPr id="1" name="">
+          <a:extLst>
+            <a:ext uri="{FF2B5EF4-FFF2-40B4-BE49-F238E27FC236}">
+              <a16:creationId xmlns:a16="http://schemas.microsoft.com/office/drawing/2014/main" id="{FB23A0E5-98A5-A423-224F-687913853078}"/>
+            </a:ext>
+          </a:extLst>
+        </p:cNvPr>
+        <p:cNvGrpSpPr/>
+        <p:nvPr/>
+      </p:nvGrpSpPr>
+      <p:grpSpPr>
+        <a:xfrm>
+          <a:off x="0" y="0"/>
+          <a:ext cx="0" cy="0"/>
+          <a:chOff x="0" y="0"/>
+          <a:chExt cx="0" cy="0"/>
+        </a:xfrm>
+      </p:grpSpPr>
+      <p:sp>
+        <p:nvSpPr>
+          <p:cNvPr id="2" name="タイトル 1">
+            <a:extLst>
+              <a:ext uri="{FF2B5EF4-FFF2-40B4-BE49-F238E27FC236}">
+                <a16:creationId xmlns:a16="http://schemas.microsoft.com/office/drawing/2014/main" id="{507A57ED-1930-40D3-987F-992C108F4884}"/>
+              </a:ext>
+            </a:extLst>
+          </p:cNvPr>
+          <p:cNvSpPr>
+            <a:spLocks noGrp="1"/>
+          </p:cNvSpPr>
+          <p:nvPr>
+            <p:ph type="title"/>
+          </p:nvPr>
+        </p:nvSpPr>
+        <p:spPr>
+          <a:xfrm>
+            <a:off x="1094510" y="662566"/>
+            <a:ext cx="3796145" cy="1143000"/>
+          </a:xfrm>
+        </p:spPr>
+        <p:txBody>
+          <a:bodyPr>
+            <a:normAutofit/>
+          </a:bodyPr>
+          <a:lstStyle/>
+          <a:p>
+            <a:pPr algn="l"/>
+            <a:r>
+              <a:rPr kumimoji="1" lang="ja-JP" altLang="en-US" sz="5400" b="1" dirty="0">
+                <a:solidFill>
+                  <a:schemeClr val="bg1"/>
+                </a:solidFill>
+              </a:rPr>
+              <a:t>質問</a:t>
+            </a:r>
+          </a:p>
+        </p:txBody>
+      </p:sp>
+      <p:sp>
+        <p:nvSpPr>
+          <p:cNvPr id="3" name="テキスト ボックス 2">
+            <a:extLst>
+              <a:ext uri="{FF2B5EF4-FFF2-40B4-BE49-F238E27FC236}">
+                <a16:creationId xmlns:a16="http://schemas.microsoft.com/office/drawing/2014/main" id="{F88EBE66-6095-CF76-77D8-542EF7B0DCED}"/>
+              </a:ext>
+            </a:extLst>
+          </p:cNvPr>
+          <p:cNvSpPr txBox="1"/>
+          <p:nvPr/>
+        </p:nvSpPr>
+        <p:spPr>
+          <a:xfrm>
+            <a:off x="1919316" y="2028616"/>
+            <a:ext cx="9211979" cy="2800767"/>
+          </a:xfrm>
+          <a:prstGeom prst="rect">
+            <a:avLst/>
+          </a:prstGeom>
+          <a:noFill/>
+        </p:spPr>
+        <p:txBody>
+          <a:bodyPr wrap="square" rtlCol="0">
+            <a:spAutoFit/>
+          </a:bodyPr>
+          <a:lstStyle/>
+          <a:p>
+            <a:pPr marL="571500" indent="-571500">
+              <a:buFont typeface="Arial" panose="020B0604020202020204" pitchFamily="34" charset="0"/>
+              <a:buChar char="•"/>
+            </a:pPr>
+            <a:r>
+              <a:rPr kumimoji="1" lang="en-US" altLang="ja-JP" sz="4400" b="1" dirty="0">
+                <a:solidFill>
+                  <a:schemeClr val="bg1"/>
+                </a:solidFill>
+                <a:latin typeface="+mn-ea"/>
+              </a:rPr>
+              <a:t>J-quants</a:t>
+            </a:r>
+            <a:r>
+              <a:rPr kumimoji="1" lang="ja-JP" altLang="en-US" sz="4400" b="1" dirty="0">
+                <a:solidFill>
+                  <a:schemeClr val="bg1"/>
+                </a:solidFill>
+                <a:latin typeface="+mn-ea"/>
+              </a:rPr>
+              <a:t>との違いは？</a:t>
+            </a:r>
+          </a:p>
+          <a:p>
+            <a:pPr marL="571500" indent="-571500">
+              <a:buFont typeface="Arial" panose="020B0604020202020204" pitchFamily="34" charset="0"/>
+              <a:buChar char="•"/>
+            </a:pPr>
+            <a:r>
+              <a:rPr kumimoji="1" lang="ja-JP" altLang="en-US" sz="4400" b="1" dirty="0">
+                <a:solidFill>
+                  <a:schemeClr val="bg1"/>
+                </a:solidFill>
+                <a:latin typeface="+mn-ea"/>
+              </a:rPr>
+              <a:t>ライブラリのデバックはしんどくなかった？</a:t>
+            </a:r>
+          </a:p>
+          <a:p>
+            <a:pPr marL="571500" indent="-571500">
+              <a:buFont typeface="Arial" panose="020B0604020202020204" pitchFamily="34" charset="0"/>
+              <a:buChar char="•"/>
+            </a:pPr>
+            <a:r>
+              <a:rPr kumimoji="1" lang="en-US" altLang="ja-JP" sz="4400" b="1" dirty="0">
+                <a:solidFill>
+                  <a:schemeClr val="bg1"/>
+                </a:solidFill>
+                <a:latin typeface="+mn-ea"/>
+              </a:rPr>
+              <a:t>AWS</a:t>
+            </a:r>
+            <a:r>
+              <a:rPr kumimoji="1" lang="ja-JP" altLang="en-US" sz="4400" b="1" dirty="0">
+                <a:solidFill>
+                  <a:schemeClr val="bg1"/>
+                </a:solidFill>
+                <a:latin typeface="+mn-ea"/>
+              </a:rPr>
+              <a:t>の図はどうやって？？</a:t>
+            </a:r>
+          </a:p>
+        </p:txBody>
+      </p:sp>
+    </p:spTree>
+    <p:extLst>
+      <p:ext uri="{BB962C8B-B14F-4D97-AF65-F5344CB8AC3E}">
+        <p14:creationId xmlns:p14="http://schemas.microsoft.com/office/powerpoint/2010/main" val="2279698254"/>
+      </p:ext>
+    </p:extLst>
+  </p:cSld>
+  <p:clrMapOvr>
+    <a:masterClrMapping/>
+  </p:clrMapOvr>
+</p:sld>
+</file>
+
 <file path=ppt/slides/slide2.xml><?xml version="1.0" encoding="utf-8"?>
 <p:sld xmlns:a="http://schemas.openxmlformats.org/drawingml/2006/main" xmlns:r="http://schemas.openxmlformats.org/officeDocument/2006/relationships" xmlns:p="http://schemas.openxmlformats.org/presentationml/2006/main">
   <p:cSld>
@@ -13141,7 +13418,7 @@
           <p:nvPr>
             <p:extLst>
               <p:ext uri="{D42A27DB-BD31-4B8C-83A1-F6EECF244321}">
-                <p14:modId xmlns:p14="http://schemas.microsoft.com/office/powerpoint/2010/main" val="144071425"/>
+                <p14:modId xmlns:p14="http://schemas.microsoft.com/office/powerpoint/2010/main" val="1965561532"/>
               </p:ext>
             </p:extLst>
           </p:nvPr>
@@ -13280,7 +13557,7 @@
                             <a:schemeClr val="bg1"/>
                           </a:solidFill>
                         </a:rPr>
-                        <a:t>経済物理学ゼミ</a:t>
+                        <a:t>経済物理学ゼミ、放射線物理学ゼミ</a:t>
                       </a:r>
                     </a:p>
                   </a:txBody>
@@ -13488,8 +13765,8 @@
           </a:p>
         </p:txBody>
       </p:sp>
-      <mc:AlternateContent xmlns:mc="http://schemas.openxmlformats.org/markup-compatibility/2006">
-        <mc:Choice xmlns:a14="http://schemas.microsoft.com/office/drawing/2010/main" Requires="a14">
+      <mc:AlternateContent xmlns:mc="http://schemas.openxmlformats.org/markup-compatibility/2006" xmlns:a14="http://schemas.microsoft.com/office/drawing/2010/main">
+        <mc:Choice Requires="a14">
           <p:sp>
             <p:nvSpPr>
               <p:cNvPr id="7" name="テキスト ボックス 6">
@@ -13688,7 +13965,7 @@
             </p:txBody>
           </p:sp>
         </mc:Choice>
-        <mc:Fallback>
+        <mc:Fallback xmlns="">
           <p:sp>
             <p:nvSpPr>
               <p:cNvPr id="7" name="テキスト ボックス 6">
